--- a/ProjectPresentation.pptx
+++ b/ProjectPresentation.pptx
@@ -200,7 +200,7 @@
           <a:p>
             <a:fld id="{8176F3E1-1B40-4336-9A35-909C4C8AC485}" type="datetimeFigureOut">
               <a:rPr lang="en-US" smtClean="0"/>
-              <a:t>12/13/19</a:t>
+              <a:t>12/16/2019</a:t>
             </a:fld>
             <a:endParaRPr lang="en-US"/>
           </a:p>
@@ -358,7 +358,7 @@
           <a:p>
             <a:fld id="{F49149E1-3E8C-4CF5-A849-B1DFBDA5FA71}" type="slidenum">
               <a:rPr lang="en-US" smtClean="0"/>
-              <a:t>‹N°›</a:t>
+              <a:t>‹#›</a:t>
             </a:fld>
             <a:endParaRPr lang="en-US"/>
           </a:p>
@@ -871,7 +871,7 @@
           <a:p>
             <a:fld id="{7CC54727-CC2E-499D-8EE1-1E899B847897}" type="datetimeFigureOut">
               <a:rPr lang="en-US" smtClean="0"/>
-              <a:t>12/13/19</a:t>
+              <a:t>12/16/2019</a:t>
             </a:fld>
             <a:endParaRPr lang="en-US"/>
           </a:p>
@@ -913,7 +913,7 @@
           <a:p>
             <a:fld id="{D74F3E1B-8FA0-4927-8384-C19D8A5ACDFA}" type="slidenum">
               <a:rPr lang="en-US" smtClean="0"/>
-              <a:t>‹N°›</a:t>
+              <a:t>‹#›</a:t>
             </a:fld>
             <a:endParaRPr lang="en-US"/>
           </a:p>
@@ -1114,7 +1114,7 @@
           <a:p>
             <a:fld id="{7CC54727-CC2E-499D-8EE1-1E899B847897}" type="datetimeFigureOut">
               <a:rPr lang="en-US" smtClean="0"/>
-              <a:t>12/13/19</a:t>
+              <a:t>12/16/2019</a:t>
             </a:fld>
             <a:endParaRPr lang="en-US"/>
           </a:p>
@@ -1156,7 +1156,7 @@
           <a:p>
             <a:fld id="{D74F3E1B-8FA0-4927-8384-C19D8A5ACDFA}" type="slidenum">
               <a:rPr lang="en-US" smtClean="0"/>
-              <a:t>‹N°›</a:t>
+              <a:t>‹#›</a:t>
             </a:fld>
             <a:endParaRPr lang="en-US"/>
           </a:p>
@@ -1294,7 +1294,7 @@
           <a:p>
             <a:fld id="{7CC54727-CC2E-499D-8EE1-1E899B847897}" type="datetimeFigureOut">
               <a:rPr lang="en-US" smtClean="0"/>
-              <a:t>12/13/19</a:t>
+              <a:t>12/16/2019</a:t>
             </a:fld>
             <a:endParaRPr lang="en-US"/>
           </a:p>
@@ -1336,7 +1336,7 @@
           <a:p>
             <a:fld id="{D74F3E1B-8FA0-4927-8384-C19D8A5ACDFA}" type="slidenum">
               <a:rPr lang="en-US" smtClean="0"/>
-              <a:t>‹N°›</a:t>
+              <a:t>‹#›</a:t>
             </a:fld>
             <a:endParaRPr lang="en-US"/>
           </a:p>
@@ -1499,7 +1499,7 @@
           <a:p>
             <a:fld id="{7CC54727-CC2E-499D-8EE1-1E899B847897}" type="datetimeFigureOut">
               <a:rPr lang="en-US" smtClean="0"/>
-              <a:t>12/13/19</a:t>
+              <a:t>12/16/2019</a:t>
             </a:fld>
             <a:endParaRPr lang="en-US"/>
           </a:p>
@@ -1541,7 +1541,7 @@
           <a:p>
             <a:fld id="{D74F3E1B-8FA0-4927-8384-C19D8A5ACDFA}" type="slidenum">
               <a:rPr lang="en-US" smtClean="0"/>
-              <a:t>‹N°›</a:t>
+              <a:t>‹#›</a:t>
             </a:fld>
             <a:endParaRPr lang="en-US"/>
           </a:p>
@@ -1756,7 +1756,7 @@
           <a:p>
             <a:fld id="{7CC54727-CC2E-499D-8EE1-1E899B847897}" type="datetimeFigureOut">
               <a:rPr lang="en-US" smtClean="0"/>
-              <a:t>12/13/19</a:t>
+              <a:t>12/16/2019</a:t>
             </a:fld>
             <a:endParaRPr lang="en-US"/>
           </a:p>
@@ -1798,7 +1798,7 @@
           <a:p>
             <a:fld id="{D74F3E1B-8FA0-4927-8384-C19D8A5ACDFA}" type="slidenum">
               <a:rPr lang="en-US" smtClean="0"/>
-              <a:t>‹N°›</a:t>
+              <a:t>‹#›</a:t>
             </a:fld>
             <a:endParaRPr lang="en-US"/>
           </a:p>
@@ -2103,7 +2103,7 @@
           <a:p>
             <a:fld id="{7CC54727-CC2E-499D-8EE1-1E899B847897}" type="datetimeFigureOut">
               <a:rPr lang="en-US" smtClean="0"/>
-              <a:t>12/13/19</a:t>
+              <a:t>12/16/2019</a:t>
             </a:fld>
             <a:endParaRPr lang="en-US"/>
           </a:p>
@@ -2145,7 +2145,7 @@
           <a:p>
             <a:fld id="{D74F3E1B-8FA0-4927-8384-C19D8A5ACDFA}" type="slidenum">
               <a:rPr lang="en-US" smtClean="0"/>
-              <a:t>‹N°›</a:t>
+              <a:t>‹#›</a:t>
             </a:fld>
             <a:endParaRPr lang="en-US"/>
           </a:p>
@@ -2505,7 +2505,7 @@
           <a:p>
             <a:fld id="{7CC54727-CC2E-499D-8EE1-1E899B847897}" type="datetimeFigureOut">
               <a:rPr lang="en-US" smtClean="0"/>
-              <a:t>12/13/19</a:t>
+              <a:t>12/16/2019</a:t>
             </a:fld>
             <a:endParaRPr lang="en-US"/>
           </a:p>
@@ -2547,7 +2547,7 @@
           <a:p>
             <a:fld id="{D74F3E1B-8FA0-4927-8384-C19D8A5ACDFA}" type="slidenum">
               <a:rPr lang="en-US" smtClean="0"/>
-              <a:t>‹N°›</a:t>
+              <a:t>‹#›</a:t>
             </a:fld>
             <a:endParaRPr lang="en-US"/>
           </a:p>
@@ -2623,7 +2623,7 @@
           <a:p>
             <a:fld id="{7CC54727-CC2E-499D-8EE1-1E899B847897}" type="datetimeFigureOut">
               <a:rPr lang="en-US" smtClean="0"/>
-              <a:t>12/13/19</a:t>
+              <a:t>12/16/2019</a:t>
             </a:fld>
             <a:endParaRPr lang="en-US"/>
           </a:p>
@@ -2665,7 +2665,7 @@
           <a:p>
             <a:fld id="{D74F3E1B-8FA0-4927-8384-C19D8A5ACDFA}" type="slidenum">
               <a:rPr lang="en-US" smtClean="0"/>
-              <a:t>‹N°›</a:t>
+              <a:t>‹#›</a:t>
             </a:fld>
             <a:endParaRPr lang="en-US"/>
           </a:p>
@@ -2718,7 +2718,7 @@
           <a:p>
             <a:fld id="{7CC54727-CC2E-499D-8EE1-1E899B847897}" type="datetimeFigureOut">
               <a:rPr lang="en-US" smtClean="0"/>
-              <a:t>12/13/19</a:t>
+              <a:t>12/16/2019</a:t>
             </a:fld>
             <a:endParaRPr lang="en-US"/>
           </a:p>
@@ -2760,7 +2760,7 @@
           <a:p>
             <a:fld id="{D74F3E1B-8FA0-4927-8384-C19D8A5ACDFA}" type="slidenum">
               <a:rPr lang="en-US" smtClean="0"/>
-              <a:t>‹N°›</a:t>
+              <a:t>‹#›</a:t>
             </a:fld>
             <a:endParaRPr lang="en-US"/>
           </a:p>
@@ -3008,7 +3008,7 @@
           <a:p>
             <a:fld id="{7CC54727-CC2E-499D-8EE1-1E899B847897}" type="datetimeFigureOut">
               <a:rPr lang="en-US" smtClean="0"/>
-              <a:t>12/13/19</a:t>
+              <a:t>12/16/2019</a:t>
             </a:fld>
             <a:endParaRPr lang="en-US"/>
           </a:p>
@@ -3050,7 +3050,7 @@
           <a:p>
             <a:fld id="{D74F3E1B-8FA0-4927-8384-C19D8A5ACDFA}" type="slidenum">
               <a:rPr lang="en-US" smtClean="0"/>
-              <a:t>‹N°›</a:t>
+              <a:t>‹#›</a:t>
             </a:fld>
             <a:endParaRPr lang="en-US"/>
           </a:p>
@@ -3288,7 +3288,7 @@
           <a:p>
             <a:fld id="{7CC54727-CC2E-499D-8EE1-1E899B847897}" type="datetimeFigureOut">
               <a:rPr lang="en-US" smtClean="0"/>
-              <a:t>12/13/19</a:t>
+              <a:t>12/16/2019</a:t>
             </a:fld>
             <a:endParaRPr lang="en-US"/>
           </a:p>
@@ -3330,7 +3330,7 @@
           <a:p>
             <a:fld id="{D74F3E1B-8FA0-4927-8384-C19D8A5ACDFA}" type="slidenum">
               <a:rPr lang="en-US" smtClean="0"/>
-              <a:t>‹N°›</a:t>
+              <a:t>‹#›</a:t>
             </a:fld>
             <a:endParaRPr lang="en-US"/>
           </a:p>
@@ -3538,7 +3538,7 @@
           <a:p>
             <a:fld id="{7CC54727-CC2E-499D-8EE1-1E899B847897}" type="datetimeFigureOut">
               <a:rPr lang="en-US" smtClean="0"/>
-              <a:t>12/13/19</a:t>
+              <a:t>12/16/2019</a:t>
             </a:fld>
             <a:endParaRPr lang="en-US"/>
           </a:p>
@@ -3620,7 +3620,7 @@
           <a:p>
             <a:fld id="{D74F3E1B-8FA0-4927-8384-C19D8A5ACDFA}" type="slidenum">
               <a:rPr lang="en-US" smtClean="0"/>
-              <a:t>‹N°›</a:t>
+              <a:t>‹#›</a:t>
             </a:fld>
             <a:endParaRPr lang="en-US"/>
           </a:p>
@@ -4323,7 +4323,7 @@
           <p:nvPr/>
         </p:nvPicPr>
         <p:blipFill rotWithShape="1">
-          <a:blip r:embed="rId4">
+          <a:blip r:embed="rId4" cstate="print">
             <a:extLst>
               <a:ext uri="{28A0092B-C50C-407E-A947-70E740481C1C}">
                 <a14:useLocalDpi xmlns:a14="http://schemas.microsoft.com/office/drawing/2010/main" val="0"/>
@@ -4358,7 +4358,7 @@
           <p:nvPr/>
         </p:nvPicPr>
         <p:blipFill rotWithShape="1">
-          <a:blip r:embed="rId5">
+          <a:blip r:embed="rId5" cstate="print">
             <a:extLst>
               <a:ext uri="{28A0092B-C50C-407E-A947-70E740481C1C}">
                 <a14:useLocalDpi xmlns:a14="http://schemas.microsoft.com/office/drawing/2010/main" val="0"/>
@@ -4537,8 +4537,8 @@
         </p:nvSpPr>
         <p:spPr>
           <a:xfrm>
-            <a:off x="1024127" y="2694443"/>
-            <a:ext cx="9720073" cy="2740586"/>
+            <a:off x="1024128" y="2694442"/>
+            <a:ext cx="9720072" cy="3663496"/>
           </a:xfrm>
         </p:spPr>
         <p:txBody>
@@ -4581,6 +4581,49 @@
               <a:rPr lang="en-US" sz="2400" dirty="0"/>
               <a:t>How to modify the length if the constraint is violated</a:t>
             </a:r>
+          </a:p>
+          <a:p>
+            <a:pPr marL="128016" lvl="1" indent="0">
+              <a:buNone/>
+            </a:pPr>
+            <a:r>
+              <a:rPr lang="en-US" sz="2800" dirty="0"/>
+              <a:t>Conditional constraints create unwanted momentum</a:t>
+            </a:r>
+          </a:p>
+          <a:p>
+            <a:pPr lvl="2"/>
+            <a:r>
+              <a:rPr lang="en-US" sz="2400" dirty="0"/>
+              <a:t>Cannot modify constraint weight for performance reasons</a:t>
+            </a:r>
+          </a:p>
+          <a:p>
+            <a:pPr lvl="2"/>
+            <a:r>
+              <a:rPr lang="en-US" sz="2400" dirty="0"/>
+              <a:t>Solution: constrain to stay </a:t>
+            </a:r>
+            <a:r>
+              <a:rPr lang="en-US" sz="2400"/>
+              <a:t>in place.</a:t>
+            </a:r>
+            <a:endParaRPr lang="en-US" sz="2400" dirty="0"/>
+          </a:p>
+          <a:p>
+            <a:pPr lvl="2"/>
+            <a:endParaRPr lang="en-US" sz="2400" dirty="0"/>
+          </a:p>
+          <a:p>
+            <a:pPr lvl="2"/>
+            <a:endParaRPr lang="en-US" sz="2400" dirty="0"/>
+          </a:p>
+          <a:p>
+            <a:endParaRPr lang="en-US" sz="3200" dirty="0"/>
+          </a:p>
+          <a:p>
+            <a:pPr lvl="2"/>
+            <a:endParaRPr lang="en-US" sz="2800" dirty="0"/>
           </a:p>
         </p:txBody>
       </p:sp>
